--- a/public/materials/01_Introduction.pptx
+++ b/public/materials/01_Introduction.pptx
@@ -268,7 +268,7 @@
           <a:p>
             <a:fld id="{D7B79CFE-5F22-41E0-AA96-16907A103864}" type="datetimeFigureOut">
               <a:rPr lang="en-US" smtClean="0"/>
-              <a:t>9/3/2020</a:t>
+              <a:t>9/13/2020</a:t>
             </a:fld>
             <a:endParaRPr lang="en-US"/>
           </a:p>
@@ -466,7 +466,7 @@
           <a:p>
             <a:fld id="{D7B79CFE-5F22-41E0-AA96-16907A103864}" type="datetimeFigureOut">
               <a:rPr lang="en-US" smtClean="0"/>
-              <a:t>9/3/2020</a:t>
+              <a:t>9/13/2020</a:t>
             </a:fld>
             <a:endParaRPr lang="en-US"/>
           </a:p>
@@ -674,7 +674,7 @@
           <a:p>
             <a:fld id="{D7B79CFE-5F22-41E0-AA96-16907A103864}" type="datetimeFigureOut">
               <a:rPr lang="en-US" smtClean="0"/>
-              <a:t>9/3/2020</a:t>
+              <a:t>9/13/2020</a:t>
             </a:fld>
             <a:endParaRPr lang="en-US"/>
           </a:p>
@@ -872,7 +872,7 @@
           <a:p>
             <a:fld id="{D7B79CFE-5F22-41E0-AA96-16907A103864}" type="datetimeFigureOut">
               <a:rPr lang="en-US" smtClean="0"/>
-              <a:t>9/3/2020</a:t>
+              <a:t>9/13/2020</a:t>
             </a:fld>
             <a:endParaRPr lang="en-US"/>
           </a:p>
@@ -1147,7 +1147,7 @@
           <a:p>
             <a:fld id="{D7B79CFE-5F22-41E0-AA96-16907A103864}" type="datetimeFigureOut">
               <a:rPr lang="en-US" smtClean="0"/>
-              <a:t>9/3/2020</a:t>
+              <a:t>9/13/2020</a:t>
             </a:fld>
             <a:endParaRPr lang="en-US"/>
           </a:p>
@@ -1412,7 +1412,7 @@
           <a:p>
             <a:fld id="{D7B79CFE-5F22-41E0-AA96-16907A103864}" type="datetimeFigureOut">
               <a:rPr lang="en-US" smtClean="0"/>
-              <a:t>9/3/2020</a:t>
+              <a:t>9/13/2020</a:t>
             </a:fld>
             <a:endParaRPr lang="en-US"/>
           </a:p>
@@ -1824,7 +1824,7 @@
           <a:p>
             <a:fld id="{D7B79CFE-5F22-41E0-AA96-16907A103864}" type="datetimeFigureOut">
               <a:rPr lang="en-US" smtClean="0"/>
-              <a:t>9/3/2020</a:t>
+              <a:t>9/13/2020</a:t>
             </a:fld>
             <a:endParaRPr lang="en-US"/>
           </a:p>
@@ -1965,7 +1965,7 @@
           <a:p>
             <a:fld id="{D7B79CFE-5F22-41E0-AA96-16907A103864}" type="datetimeFigureOut">
               <a:rPr lang="en-US" smtClean="0"/>
-              <a:t>9/3/2020</a:t>
+              <a:t>9/13/2020</a:t>
             </a:fld>
             <a:endParaRPr lang="en-US"/>
           </a:p>
@@ -2078,7 +2078,7 @@
           <a:p>
             <a:fld id="{D7B79CFE-5F22-41E0-AA96-16907A103864}" type="datetimeFigureOut">
               <a:rPr lang="en-US" smtClean="0"/>
-              <a:t>9/3/2020</a:t>
+              <a:t>9/13/2020</a:t>
             </a:fld>
             <a:endParaRPr lang="en-US"/>
           </a:p>
@@ -2389,7 +2389,7 @@
           <a:p>
             <a:fld id="{D7B79CFE-5F22-41E0-AA96-16907A103864}" type="datetimeFigureOut">
               <a:rPr lang="en-US" smtClean="0"/>
-              <a:t>9/3/2020</a:t>
+              <a:t>9/13/2020</a:t>
             </a:fld>
             <a:endParaRPr lang="en-US"/>
           </a:p>
@@ -2677,7 +2677,7 @@
           <a:p>
             <a:fld id="{D7B79CFE-5F22-41E0-AA96-16907A103864}" type="datetimeFigureOut">
               <a:rPr lang="en-US" smtClean="0"/>
-              <a:t>9/3/2020</a:t>
+              <a:t>9/13/2020</a:t>
             </a:fld>
             <a:endParaRPr lang="en-US"/>
           </a:p>
@@ -2918,7 +2918,7 @@
           <a:p>
             <a:fld id="{D7B79CFE-5F22-41E0-AA96-16907A103864}" type="datetimeFigureOut">
               <a:rPr lang="en-US" smtClean="0"/>
-              <a:t>9/3/2020</a:t>
+              <a:t>9/13/2020</a:t>
             </a:fld>
             <a:endParaRPr lang="en-US"/>
           </a:p>
@@ -3323,15 +3323,9 @@
   <p:cSld>
     <p:bg>
       <p:bgPr>
-        <a:blipFill dpi="0" rotWithShape="1">
-          <a:blip r:embed="rId2">
-            <a:lum/>
-          </a:blip>
-          <a:srcRect/>
-          <a:stretch>
-            <a:fillRect t="-9000" b="-9000"/>
-          </a:stretch>
-        </a:blipFill>
+        <a:solidFill>
+          <a:schemeClr val="accent1"/>
+        </a:solidFill>
         <a:effectLst/>
       </p:bgPr>
     </p:bg>
@@ -3373,13 +3367,30 @@
           <a:lstStyle/>
           <a:p>
             <a:r>
-              <a:rPr lang="en-US" sz="7200" b="1" dirty="0">
+              <a:rPr lang="en-US" sz="4800" b="1" dirty="0">
                 <a:solidFill>
                   <a:srgbClr val="FFFFFF"/>
                 </a:solidFill>
                 <a:latin typeface="+mn-lt"/>
               </a:rPr>
-              <a:t>Welcome To Advanced Network Analysis</a:t>
+              <a:t>Welcome To POL 478:</a:t>
+            </a:r>
+            <a:br>
+              <a:rPr lang="en-US" sz="4800" b="1" dirty="0">
+                <a:solidFill>
+                  <a:srgbClr val="FFFFFF"/>
+                </a:solidFill>
+                <a:latin typeface="+mn-lt"/>
+              </a:rPr>
+            </a:br>
+            <a:r>
+              <a:rPr lang="en-US" sz="4800" b="1" dirty="0">
+                <a:solidFill>
+                  <a:srgbClr val="FFFFFF"/>
+                </a:solidFill>
+                <a:latin typeface="+mn-lt"/>
+              </a:rPr>
+              <a:t>Data Management and Visualization for Political Scientists</a:t>
             </a:r>
           </a:p>
         </p:txBody>
@@ -3400,7 +3411,12 @@
             <p:ph type="subTitle" idx="1"/>
           </p:nvPr>
         </p:nvSpPr>
-        <p:spPr/>
+        <p:spPr>
+          <a:xfrm>
+            <a:off x="1524000" y="4003766"/>
+            <a:ext cx="9144000" cy="1254034"/>
+          </a:xfrm>
+        </p:spPr>
         <p:txBody>
           <a:bodyPr>
             <a:normAutofit/>
@@ -3408,7 +3424,7 @@
           <a:lstStyle/>
           <a:p>
             <a:r>
-              <a:rPr lang="en-US" sz="4000" b="1" dirty="0">
+              <a:rPr lang="en-US" sz="3200" b="1" dirty="0">
                 <a:solidFill>
                   <a:schemeClr val="bg1">
                     <a:lumMod val="95000"/>
@@ -3501,13 +3517,7 @@
           <a:p>
             <a:r>
               <a:rPr lang="en-US" dirty="0"/>
-              <a:t>Have you taken an Intro to Statistics? A GLM class?</a:t>
-            </a:r>
-          </a:p>
-          <a:p>
-            <a:r>
-              <a:rPr lang="en-US" dirty="0"/>
-              <a:t>Have you taken Intro to Networks?</a:t>
+              <a:t>Have you taken an Intro to Statistics? </a:t>
             </a:r>
           </a:p>
           <a:p>
@@ -3623,7 +3633,7 @@
           <a:p>
             <a:r>
               <a:rPr lang="en-US" dirty="0"/>
-              <a:t>If you have a question/comment, say “Question” in the chat. Do not post your question, just post that you have one, and I will call on you in order of posting.</a:t>
+              <a:t>If you have a question/comment, post your question in the chat or post the word “Question” in the chat. I will call on you in order of posting.</a:t>
             </a:r>
           </a:p>
           <a:p>
@@ -3715,7 +3725,13 @@
           <a:p>
             <a:r>
               <a:rPr lang="en-US" dirty="0"/>
-              <a:t>Assistant Professor of Political Science and Statistics, Iowa State University since 2015</a:t>
+              <a:t>Assistant Professor of Political Science, University of Toronto, since 2020</a:t>
+            </a:r>
+          </a:p>
+          <a:p>
+            <a:r>
+              <a:rPr lang="en-US" dirty="0"/>
+              <a:t>Previously an Assistant/Associate Professor of Political Science and Statistics at Iowa State University (2015-2020).</a:t>
             </a:r>
           </a:p>
           <a:p>
@@ -3733,7 +3749,7 @@
             </a:r>
             <a:r>
               <a:rPr lang="en-US" dirty="0"/>
-              <a:t>, ochyzh1@gmail.com</a:t>
+              <a:t>, olga.chyzh@utoronto.ca</a:t>
             </a:r>
           </a:p>
           <a:p>
@@ -3849,17 +3865,7 @@
                 <a:latin typeface="Calibri" panose="020F0502020204030204" pitchFamily="34" charset="0"/>
                 <a:cs typeface="Calibri" panose="020F0502020204030204" pitchFamily="34" charset="0"/>
               </a:rPr>
-              <a:t>Objectives, software, modules</a:t>
-            </a:r>
-          </a:p>
-          <a:p>
-            <a:pPr algn="l"/>
-            <a:r>
-              <a:rPr lang="en-US" sz="3600" b="0" i="0" u="none" strike="noStrike" baseline="0" dirty="0">
-                <a:latin typeface="Calibri" panose="020F0502020204030204" pitchFamily="34" charset="0"/>
-                <a:cs typeface="Calibri" panose="020F0502020204030204" pitchFamily="34" charset="0"/>
-              </a:rPr>
-              <a:t>Assessment/Grades</a:t>
+              <a:t>Objectives, software</a:t>
             </a:r>
           </a:p>
           <a:p>
@@ -3978,7 +3984,7 @@
             <a:pPr algn="ctr"/>
             <a:r>
               <a:rPr lang="en-US" dirty="0"/>
-              <a:t>Become proficient in network theory and analysis, including implementation in R</a:t>
+              <a:t>Become proficient in data management and visualization in R</a:t>
             </a:r>
           </a:p>
         </p:txBody>
@@ -4070,25 +4076,19 @@
           <a:p>
             <a:r>
               <a:rPr lang="en-US" dirty="0"/>
-              <a:t>Use graphics to visualize and understand networks</a:t>
+              <a:t>Collect, clean, and format real political data</a:t>
             </a:r>
           </a:p>
           <a:p>
             <a:r>
               <a:rPr lang="en-US" dirty="0"/>
-              <a:t>Gain familiarity with formatting/managing networks data</a:t>
+              <a:t>Use graphics to summarize, visualize and understand data</a:t>
             </a:r>
           </a:p>
           <a:p>
             <a:r>
               <a:rPr lang="en-US" dirty="0"/>
-              <a:t>Become fluent in common networks packages in R</a:t>
-            </a:r>
-          </a:p>
-          <a:p>
-            <a:r>
-              <a:rPr lang="en-US" dirty="0"/>
-              <a:t>Learn to perform inferential network analysis using a variety of cutting-edge tools</a:t>
+              <a:t>Become fluent in common data management and graphics packages in R</a:t>
             </a:r>
           </a:p>
         </p:txBody>
@@ -4174,18 +4174,6 @@
           <a:p>
             <a:r>
               <a:rPr lang="en-US" dirty="0"/>
-              <a:t>Complete assigned readings before each class</a:t>
-            </a:r>
-          </a:p>
-          <a:p>
-            <a:r>
-              <a:rPr lang="en-US" dirty="0"/>
-              <a:t>Learn the theory/concepts and applications</a:t>
-            </a:r>
-          </a:p>
-          <a:p>
-            <a:r>
-              <a:rPr lang="en-US" dirty="0"/>
               <a:t>About 2:1 split of class between </a:t>
             </a:r>
             <a:r>
@@ -4289,13 +4277,15 @@
           <a:p>
             <a:r>
               <a:rPr lang="en-US" dirty="0"/>
-              <a:t>4 homework assignments due each Friday</a:t>
-            </a:r>
-          </a:p>
-          <a:p>
+              <a:t>10 weekly </a:t>
+            </a:r>
+            <a:r>
+              <a:rPr lang="en-US" dirty="0" err="1"/>
+              <a:t>homeworks</a:t>
+            </a:r>
             <a:r>
               <a:rPr lang="en-US" dirty="0"/>
-              <a:t>25% each</a:t>
+              <a:t>, equally weighted.</a:t>
             </a:r>
           </a:p>
           <a:p>
@@ -4393,7 +4383,7 @@
           <a:p>
             <a:r>
               <a:rPr lang="en-US" dirty="0"/>
-              <a:t>Slides and all materials available on Canvas</a:t>
+              <a:t>Slides and all materials available on the course website pol478.netlify.app and on Quercus</a:t>
             </a:r>
           </a:p>
           <a:p>

--- a/public/materials/01_Introduction.pptx
+++ b/public/materials/01_Introduction.pptx
@@ -268,7 +268,7 @@
           <a:p>
             <a:fld id="{D7B79CFE-5F22-41E0-AA96-16907A103864}" type="datetimeFigureOut">
               <a:rPr lang="en-US" smtClean="0"/>
-              <a:t>9/13/2020</a:t>
+              <a:t>9/14/2020</a:t>
             </a:fld>
             <a:endParaRPr lang="en-US"/>
           </a:p>
@@ -466,7 +466,7 @@
           <a:p>
             <a:fld id="{D7B79CFE-5F22-41E0-AA96-16907A103864}" type="datetimeFigureOut">
               <a:rPr lang="en-US" smtClean="0"/>
-              <a:t>9/13/2020</a:t>
+              <a:t>9/14/2020</a:t>
             </a:fld>
             <a:endParaRPr lang="en-US"/>
           </a:p>
@@ -674,7 +674,7 @@
           <a:p>
             <a:fld id="{D7B79CFE-5F22-41E0-AA96-16907A103864}" type="datetimeFigureOut">
               <a:rPr lang="en-US" smtClean="0"/>
-              <a:t>9/13/2020</a:t>
+              <a:t>9/14/2020</a:t>
             </a:fld>
             <a:endParaRPr lang="en-US"/>
           </a:p>
@@ -872,7 +872,7 @@
           <a:p>
             <a:fld id="{D7B79CFE-5F22-41E0-AA96-16907A103864}" type="datetimeFigureOut">
               <a:rPr lang="en-US" smtClean="0"/>
-              <a:t>9/13/2020</a:t>
+              <a:t>9/14/2020</a:t>
             </a:fld>
             <a:endParaRPr lang="en-US"/>
           </a:p>
@@ -1147,7 +1147,7 @@
           <a:p>
             <a:fld id="{D7B79CFE-5F22-41E0-AA96-16907A103864}" type="datetimeFigureOut">
               <a:rPr lang="en-US" smtClean="0"/>
-              <a:t>9/13/2020</a:t>
+              <a:t>9/14/2020</a:t>
             </a:fld>
             <a:endParaRPr lang="en-US"/>
           </a:p>
@@ -1412,7 +1412,7 @@
           <a:p>
             <a:fld id="{D7B79CFE-5F22-41E0-AA96-16907A103864}" type="datetimeFigureOut">
               <a:rPr lang="en-US" smtClean="0"/>
-              <a:t>9/13/2020</a:t>
+              <a:t>9/14/2020</a:t>
             </a:fld>
             <a:endParaRPr lang="en-US"/>
           </a:p>
@@ -1824,7 +1824,7 @@
           <a:p>
             <a:fld id="{D7B79CFE-5F22-41E0-AA96-16907A103864}" type="datetimeFigureOut">
               <a:rPr lang="en-US" smtClean="0"/>
-              <a:t>9/13/2020</a:t>
+              <a:t>9/14/2020</a:t>
             </a:fld>
             <a:endParaRPr lang="en-US"/>
           </a:p>
@@ -1965,7 +1965,7 @@
           <a:p>
             <a:fld id="{D7B79CFE-5F22-41E0-AA96-16907A103864}" type="datetimeFigureOut">
               <a:rPr lang="en-US" smtClean="0"/>
-              <a:t>9/13/2020</a:t>
+              <a:t>9/14/2020</a:t>
             </a:fld>
             <a:endParaRPr lang="en-US"/>
           </a:p>
@@ -2078,7 +2078,7 @@
           <a:p>
             <a:fld id="{D7B79CFE-5F22-41E0-AA96-16907A103864}" type="datetimeFigureOut">
               <a:rPr lang="en-US" smtClean="0"/>
-              <a:t>9/13/2020</a:t>
+              <a:t>9/14/2020</a:t>
             </a:fld>
             <a:endParaRPr lang="en-US"/>
           </a:p>
@@ -2389,7 +2389,7 @@
           <a:p>
             <a:fld id="{D7B79CFE-5F22-41E0-AA96-16907A103864}" type="datetimeFigureOut">
               <a:rPr lang="en-US" smtClean="0"/>
-              <a:t>9/13/2020</a:t>
+              <a:t>9/14/2020</a:t>
             </a:fld>
             <a:endParaRPr lang="en-US"/>
           </a:p>
@@ -2677,7 +2677,7 @@
           <a:p>
             <a:fld id="{D7B79CFE-5F22-41E0-AA96-16907A103864}" type="datetimeFigureOut">
               <a:rPr lang="en-US" smtClean="0"/>
-              <a:t>9/13/2020</a:t>
+              <a:t>9/14/2020</a:t>
             </a:fld>
             <a:endParaRPr lang="en-US"/>
           </a:p>
@@ -2918,7 +2918,7 @@
           <a:p>
             <a:fld id="{D7B79CFE-5F22-41E0-AA96-16907A103864}" type="datetimeFigureOut">
               <a:rPr lang="en-US" smtClean="0"/>
-              <a:t>9/13/2020</a:t>
+              <a:t>9/14/2020</a:t>
             </a:fld>
             <a:endParaRPr lang="en-US"/>
           </a:p>
@@ -4070,7 +4070,7 @@
           <a:p>
             <a:r>
               <a:rPr lang="en-US" dirty="0"/>
-              <a:t>Learn how to deal with complex messy networks data</a:t>
+              <a:t>Learn how to deal with complex messy real data</a:t>
             </a:r>
           </a:p>
           <a:p>
@@ -4290,8 +4290,12 @@
           </a:p>
           <a:p>
             <a:r>
+              <a:rPr lang="en-US"/>
+              <a:t>Review </a:t>
+            </a:r>
+            <a:r>
               <a:rPr lang="en-US" dirty="0"/>
-              <a:t>Revise what we covered, synthesize some new information</a:t>
+              <a:t>what we covered, synthesize some new information</a:t>
             </a:r>
           </a:p>
           <a:p>
